--- a/ENTREGAS PPTS/Entrega_Final_TIS.pptx
+++ b/ENTREGAS PPTS/Entrega_Final_TIS.pptx
@@ -4605,7 +4605,7 @@
         </p:spPr>
         <p:txBody>
           <a:bodyPr>
-            <a:normAutofit lnSpcReduction="10000"/>
+            <a:normAutofit fontScale="92500" lnSpcReduction="10000"/>
           </a:bodyPr>
           <a:lstStyle/>
           <a:p>
@@ -4754,14 +4754,32 @@
               </a:spcAft>
             </a:pPr>
             <a:r>
-              <a:rPr lang="es-CL" sz="1800" b="0" dirty="0">
+              <a:rPr lang="es-CL" sz="1800">
+                <a:solidFill>
+                  <a:srgbClr val="000000"/>
+                </a:solidFill>
+                <a:latin typeface="Arial" panose="020B0604020202020204" pitchFamily="34" charset="0"/>
+              </a:rPr>
+              <a:t>Visualización de m</a:t>
+            </a:r>
+            <a:r>
+              <a:rPr lang="es-CL" sz="1800" b="0">
                 <a:solidFill>
                   <a:srgbClr val="000000"/>
                 </a:solidFill>
                 <a:effectLst/>
                 <a:latin typeface="Arial" panose="020B0604020202020204" pitchFamily="34" charset="0"/>
               </a:rPr>
-              <a:t>Men</a:t>
+              <a:t>en</a:t>
+            </a:r>
+            <a:r>
+              <a:rPr lang="es-CL" sz="1800">
+                <a:solidFill>
+                  <a:srgbClr val="000000"/>
+                </a:solidFill>
+                <a:latin typeface="Arial" panose="020B0604020202020204" pitchFamily="34" charset="0"/>
+              </a:rPr>
+              <a:t>ús </a:t>
             </a:r>
             <a:r>
               <a:rPr lang="es-CL" sz="1800" dirty="0">
@@ -4770,7 +4788,7 @@
                 </a:solidFill>
                 <a:latin typeface="Arial" panose="020B0604020202020204" pitchFamily="34" charset="0"/>
               </a:rPr>
-              <a:t>ú determinado por roles asignados por el administrador.</a:t>
+              <a:t>determinado por roles.</a:t>
             </a:r>
             <a:endParaRPr lang="es-CL" sz="1800" b="0" dirty="0">
               <a:solidFill>
@@ -4894,6 +4912,25 @@
                 <a:latin typeface="Arial" panose="020B0604020202020204" pitchFamily="34" charset="0"/>
               </a:rPr>
               <a:t>Recepción y actualización de tickets.</a:t>
+            </a:r>
+          </a:p>
+          <a:p>
+            <a:pPr rtl="0">
+              <a:spcBef>
+                <a:spcPts val="0"/>
+              </a:spcBef>
+              <a:spcAft>
+                <a:spcPts val="0"/>
+              </a:spcAft>
+            </a:pPr>
+            <a:r>
+              <a:rPr lang="es-CL" sz="1800" dirty="0">
+                <a:solidFill>
+                  <a:srgbClr val="000000"/>
+                </a:solidFill>
+                <a:latin typeface="Arial" panose="020B0604020202020204" pitchFamily="34" charset="0"/>
+              </a:rPr>
+              <a:t>Creación de usuarios.</a:t>
             </a:r>
           </a:p>
           <a:p>

--- a/ENTREGAS PPTS/Entrega_Final_TIS.pptx
+++ b/ENTREGAS PPTS/Entrega_Final_TIS.pptx
@@ -5,13 +5,14 @@
     <p:sldMasterId id="2147483648" r:id="rId1"/>
   </p:sldMasterIdLst>
   <p:notesMasterIdLst>
-    <p:notesMasterId r:id="rId6"/>
+    <p:notesMasterId r:id="rId7"/>
   </p:notesMasterIdLst>
   <p:sldIdLst>
     <p:sldId id="256" r:id="rId2"/>
     <p:sldId id="265" r:id="rId3"/>
-    <p:sldId id="292" r:id="rId4"/>
-    <p:sldId id="291" r:id="rId5"/>
+    <p:sldId id="293" r:id="rId4"/>
+    <p:sldId id="292" r:id="rId5"/>
+    <p:sldId id="291" r:id="rId6"/>
   </p:sldIdLst>
   <p:sldSz cx="9144000" cy="6858000" type="screen4x3"/>
   <p:notesSz cx="6858000" cy="9144000"/>
@@ -4567,6 +4568,183 @@
                 <a:ea typeface="Calibri" panose="020F0502020204030204" pitchFamily="34" charset="0"/>
                 <a:cs typeface="Times New Roman" panose="02020603050405020304" pitchFamily="18" charset="0"/>
               </a:rPr>
+              <a:t>Carta Gantt.</a:t>
+            </a:r>
+            <a:br>
+              <a:rPr lang="es-419" sz="2400" dirty="0">
+                <a:effectLst/>
+                <a:latin typeface="Calibri" panose="020F0502020204030204" pitchFamily="34" charset="0"/>
+                <a:ea typeface="Calibri" panose="020F0502020204030204" pitchFamily="34" charset="0"/>
+                <a:cs typeface="Times New Roman" panose="02020603050405020304" pitchFamily="18" charset="0"/>
+              </a:rPr>
+            </a:br>
+            <a:endParaRPr lang="es-419" sz="2400" dirty="0"/>
+          </a:p>
+        </p:txBody>
+      </p:sp>
+      <p:sp>
+        <p:nvSpPr>
+          <p:cNvPr id="3" name="Marcador de contenido 2">
+            <a:extLst>
+              <a:ext uri="{FF2B5EF4-FFF2-40B4-BE49-F238E27FC236}">
+                <a16:creationId xmlns:a16="http://schemas.microsoft.com/office/drawing/2014/main" id="{2FC53599-72D5-A360-8B56-2D59DA2F16F3}"/>
+              </a:ext>
+            </a:extLst>
+          </p:cNvPr>
+          <p:cNvSpPr>
+            <a:spLocks noGrp="1"/>
+          </p:cNvSpPr>
+          <p:nvPr>
+            <p:ph idx="1"/>
+          </p:nvPr>
+        </p:nvSpPr>
+        <p:spPr>
+          <a:xfrm>
+            <a:off x="457200" y="1419045"/>
+            <a:ext cx="8229600" cy="4525963"/>
+          </a:xfrm>
+        </p:spPr>
+        <p:txBody>
+          <a:bodyPr>
+            <a:normAutofit/>
+          </a:bodyPr>
+          <a:lstStyle/>
+          <a:p>
+            <a:pPr rtl="0">
+              <a:spcBef>
+                <a:spcPts val="0"/>
+              </a:spcBef>
+              <a:spcAft>
+                <a:spcPts val="0"/>
+              </a:spcAft>
+            </a:pPr>
+            <a:endParaRPr lang="es-CL" sz="1800" dirty="0">
+              <a:solidFill>
+                <a:srgbClr val="000000"/>
+              </a:solidFill>
+              <a:latin typeface="Arial" panose="020B0604020202020204" pitchFamily="34" charset="0"/>
+            </a:endParaRPr>
+          </a:p>
+          <a:p>
+            <a:pPr marL="0" indent="0" rtl="0">
+              <a:spcBef>
+                <a:spcPts val="0"/>
+              </a:spcBef>
+              <a:spcAft>
+                <a:spcPts val="0"/>
+              </a:spcAft>
+              <a:buNone/>
+            </a:pPr>
+            <a:endParaRPr lang="es-CL" sz="1200" b="0" dirty="0">
+              <a:effectLst/>
+            </a:endParaRPr>
+          </a:p>
+          <a:p>
+            <a:pPr marL="0" indent="0">
+              <a:buNone/>
+            </a:pPr>
+            <a:br>
+              <a:rPr lang="es-CL" sz="1200" dirty="0"/>
+            </a:br>
+            <a:endParaRPr lang="es-ES" sz="2000" dirty="0"/>
+          </a:p>
+        </p:txBody>
+      </p:sp>
+      <p:pic>
+        <p:nvPicPr>
+          <p:cNvPr id="6" name="Imagen 5" descr="Escala de tiempo&#10;&#10;Descripción generada automáticamente">
+            <a:extLst>
+              <a:ext uri="{FF2B5EF4-FFF2-40B4-BE49-F238E27FC236}">
+                <a16:creationId xmlns:a16="http://schemas.microsoft.com/office/drawing/2014/main" id="{C5E27154-D101-ADAC-BB5A-D68DA0A66B0A}"/>
+              </a:ext>
+            </a:extLst>
+          </p:cNvPr>
+          <p:cNvPicPr>
+            <a:picLocks noChangeAspect="1"/>
+          </p:cNvPicPr>
+          <p:nvPr/>
+        </p:nvPicPr>
+        <p:blipFill rotWithShape="1">
+          <a:blip r:embed="rId2"/>
+          <a:srcRect t="18623"/>
+          <a:stretch/>
+        </p:blipFill>
+        <p:spPr>
+          <a:xfrm>
+            <a:off x="752707" y="1872796"/>
+            <a:ext cx="7638585" cy="3872940"/>
+          </a:xfrm>
+          <a:prstGeom prst="rect">
+            <a:avLst/>
+          </a:prstGeom>
+        </p:spPr>
+      </p:pic>
+    </p:spTree>
+    <p:extLst>
+      <p:ext uri="{BB962C8B-B14F-4D97-AF65-F5344CB8AC3E}">
+        <p14:creationId xmlns:p14="http://schemas.microsoft.com/office/powerpoint/2010/main" val="4266108344"/>
+      </p:ext>
+    </p:extLst>
+  </p:cSld>
+  <p:clrMapOvr>
+    <a:masterClrMapping/>
+  </p:clrMapOvr>
+</p:sld>
+</file>
+
+<file path=ppt/slides/slide4.xml><?xml version="1.0" encoding="utf-8"?>
+<p:sld xmlns:a="http://schemas.openxmlformats.org/drawingml/2006/main" xmlns:r="http://schemas.openxmlformats.org/officeDocument/2006/relationships" xmlns:p="http://schemas.openxmlformats.org/presentationml/2006/main">
+  <p:cSld>
+    <p:spTree>
+      <p:nvGrpSpPr>
+        <p:cNvPr id="1" name=""/>
+        <p:cNvGrpSpPr/>
+        <p:nvPr/>
+      </p:nvGrpSpPr>
+      <p:grpSpPr>
+        <a:xfrm>
+          <a:off x="0" y="0"/>
+          <a:ext cx="0" cy="0"/>
+          <a:chOff x="0" y="0"/>
+          <a:chExt cx="0" cy="0"/>
+        </a:xfrm>
+      </p:grpSpPr>
+      <p:sp>
+        <p:nvSpPr>
+          <p:cNvPr id="2" name="Título 1">
+            <a:extLst>
+              <a:ext uri="{FF2B5EF4-FFF2-40B4-BE49-F238E27FC236}">
+                <a16:creationId xmlns:a16="http://schemas.microsoft.com/office/drawing/2014/main" id="{D5A76961-427F-1FF3-61C6-368DE668C5DC}"/>
+              </a:ext>
+            </a:extLst>
+          </p:cNvPr>
+          <p:cNvSpPr>
+            <a:spLocks noGrp="1"/>
+          </p:cNvSpPr>
+          <p:nvPr>
+            <p:ph type="title"/>
+          </p:nvPr>
+        </p:nvSpPr>
+        <p:spPr>
+          <a:xfrm>
+            <a:off x="457200" y="912992"/>
+            <a:ext cx="8229600" cy="760532"/>
+          </a:xfrm>
+        </p:spPr>
+        <p:txBody>
+          <a:bodyPr>
+            <a:noAutofit/>
+          </a:bodyPr>
+          <a:lstStyle/>
+          <a:p>
+            <a:pPr algn="l"/>
+            <a:r>
+              <a:rPr lang="es-ES" sz="2400" dirty="0">
+                <a:effectLst/>
+                <a:latin typeface="Calibri" panose="020F0502020204030204" pitchFamily="34" charset="0"/>
+                <a:ea typeface="Calibri" panose="020F0502020204030204" pitchFamily="34" charset="0"/>
+                <a:cs typeface="Times New Roman" panose="02020603050405020304" pitchFamily="18" charset="0"/>
+              </a:rPr>
               <a:t>Funcionalidades versión final.</a:t>
             </a:r>
             <a:br>
@@ -5017,7 +5195,7 @@
 </p:sld>
 </file>
 
-<file path=ppt/slides/slide4.xml><?xml version="1.0" encoding="utf-8"?>
+<file path=ppt/slides/slide5.xml><?xml version="1.0" encoding="utf-8"?>
 <p:sld xmlns:a="http://schemas.openxmlformats.org/drawingml/2006/main" xmlns:r="http://schemas.openxmlformats.org/officeDocument/2006/relationships" xmlns:p="http://schemas.openxmlformats.org/presentationml/2006/main">
   <p:cSld>
     <p:spTree>
